--- a/ppt 16-9/0722.与主同行.pptx
+++ b/ppt 16-9/0722.与主同行.pptx
@@ -5,7 +5,7 @@
     <p:sldMasterId id="2147483648" r:id="rId1"/>
   </p:sldMasterIdLst>
   <p:sldIdLst>
-    <p:sldId id="1956" r:id="rId2"/>
+    <p:sldId id="1959" r:id="rId2"/>
   </p:sldIdLst>
   <p:sldSz cx="12192000" cy="6858000"/>
   <p:notesSz cx="6858000" cy="9144000"/>
@@ -129,7 +129,7 @@
           <p:cNvPr id="2" name="标题 1">
             <a:extLst>
               <a:ext uri="{FF2B5EF4-FFF2-40B4-BE49-F238E27FC236}">
-                <a16:creationId xmlns:a16="http://schemas.microsoft.com/office/drawing/2014/main" id="{608FFE5F-A84F-A98D-B59D-0407ECB7A910}"/>
+                <a16:creationId xmlns:a16="http://schemas.microsoft.com/office/drawing/2014/main" id="{E3537A95-4E8D-7EBD-6957-B875D98D8103}"/>
               </a:ext>
             </a:extLst>
           </p:cNvPr>
@@ -166,7 +166,7 @@
           <p:cNvPr id="3" name="副标题 2">
             <a:extLst>
               <a:ext uri="{FF2B5EF4-FFF2-40B4-BE49-F238E27FC236}">
-                <a16:creationId xmlns:a16="http://schemas.microsoft.com/office/drawing/2014/main" id="{B33BF367-ABCA-0278-ED81-75F3B25F50C1}"/>
+                <a16:creationId xmlns:a16="http://schemas.microsoft.com/office/drawing/2014/main" id="{4E1EF80E-6AEE-7C39-5258-6CA3A5360AAB}"/>
               </a:ext>
             </a:extLst>
           </p:cNvPr>
@@ -236,7 +236,7 @@
           <p:cNvPr id="4" name="日期占位符 3">
             <a:extLst>
               <a:ext uri="{FF2B5EF4-FFF2-40B4-BE49-F238E27FC236}">
-                <a16:creationId xmlns:a16="http://schemas.microsoft.com/office/drawing/2014/main" id="{378EBA99-61F6-C316-A1E9-E76F9E1BA039}"/>
+                <a16:creationId xmlns:a16="http://schemas.microsoft.com/office/drawing/2014/main" id="{8770D0CB-00D7-AFFA-85D8-8B51F81CC835}"/>
               </a:ext>
             </a:extLst>
           </p:cNvPr>
@@ -252,7 +252,7 @@
           <a:bodyPr/>
           <a:lstStyle/>
           <a:p>
-            <a:fld id="{401FB465-9C5D-479B-873C-1C5814626F87}" type="datetimeFigureOut">
+            <a:fld id="{D907383C-83C5-43C0-9CB5-F1DDC5886278}" type="datetimeFigureOut">
               <a:rPr lang="zh-CN" altLang="en-US" smtClean="0"/>
               <a:t>2024/3/10</a:t>
             </a:fld>
@@ -265,7 +265,7 @@
           <p:cNvPr id="5" name="页脚占位符 4">
             <a:extLst>
               <a:ext uri="{FF2B5EF4-FFF2-40B4-BE49-F238E27FC236}">
-                <a16:creationId xmlns:a16="http://schemas.microsoft.com/office/drawing/2014/main" id="{F2C33B7B-8895-AF26-F623-65FB52BF3DDD}"/>
+                <a16:creationId xmlns:a16="http://schemas.microsoft.com/office/drawing/2014/main" id="{9793C2B7-ED73-9385-5C13-2659F572363C}"/>
               </a:ext>
             </a:extLst>
           </p:cNvPr>
@@ -290,7 +290,7 @@
           <p:cNvPr id="6" name="灯片编号占位符 5">
             <a:extLst>
               <a:ext uri="{FF2B5EF4-FFF2-40B4-BE49-F238E27FC236}">
-                <a16:creationId xmlns:a16="http://schemas.microsoft.com/office/drawing/2014/main" id="{E1B4CBDB-5D51-53F0-B302-688403A5E75B}"/>
+                <a16:creationId xmlns:a16="http://schemas.microsoft.com/office/drawing/2014/main" id="{3734F52B-677D-9193-A061-517117B5B816}"/>
               </a:ext>
             </a:extLst>
           </p:cNvPr>
@@ -306,7 +306,7 @@
           <a:bodyPr/>
           <a:lstStyle/>
           <a:p>
-            <a:fld id="{06D0FA9A-085D-48F4-80BC-D75C3ACECA4F}" type="slidenum">
+            <a:fld id="{BB389C74-0AC7-4053-AB2B-387A43ED7E3C}" type="slidenum">
               <a:rPr lang="zh-CN" altLang="en-US" smtClean="0"/>
               <a:t>‹#›</a:t>
             </a:fld>
@@ -317,7 +317,7 @@
     </p:spTree>
     <p:extLst>
       <p:ext uri="{BB962C8B-B14F-4D97-AF65-F5344CB8AC3E}">
-        <p14:creationId xmlns:p14="http://schemas.microsoft.com/office/powerpoint/2010/main" val="3128931796"/>
+        <p14:creationId xmlns:p14="http://schemas.microsoft.com/office/powerpoint/2010/main" val="1401355994"/>
       </p:ext>
     </p:extLst>
   </p:cSld>
@@ -349,7 +349,7 @@
           <p:cNvPr id="2" name="标题 1">
             <a:extLst>
               <a:ext uri="{FF2B5EF4-FFF2-40B4-BE49-F238E27FC236}">
-                <a16:creationId xmlns:a16="http://schemas.microsoft.com/office/drawing/2014/main" id="{580B6692-42EF-A67B-C884-19E50BFFA953}"/>
+                <a16:creationId xmlns:a16="http://schemas.microsoft.com/office/drawing/2014/main" id="{145E9A60-EE76-5989-095C-D81DDE70CD22}"/>
               </a:ext>
             </a:extLst>
           </p:cNvPr>
@@ -377,7 +377,7 @@
           <p:cNvPr id="3" name="竖排文字占位符 2">
             <a:extLst>
               <a:ext uri="{FF2B5EF4-FFF2-40B4-BE49-F238E27FC236}">
-                <a16:creationId xmlns:a16="http://schemas.microsoft.com/office/drawing/2014/main" id="{401A98B4-7AC9-37EE-A652-09415C10671C}"/>
+                <a16:creationId xmlns:a16="http://schemas.microsoft.com/office/drawing/2014/main" id="{9B05CC34-BE43-94E9-FDE4-D629252EE2BF}"/>
               </a:ext>
             </a:extLst>
           </p:cNvPr>
@@ -434,7 +434,7 @@
           <p:cNvPr id="4" name="日期占位符 3">
             <a:extLst>
               <a:ext uri="{FF2B5EF4-FFF2-40B4-BE49-F238E27FC236}">
-                <a16:creationId xmlns:a16="http://schemas.microsoft.com/office/drawing/2014/main" id="{E7B80B2E-6064-67B2-1B79-81C9D859F3FA}"/>
+                <a16:creationId xmlns:a16="http://schemas.microsoft.com/office/drawing/2014/main" id="{2C0D81DA-3F7D-2C2E-5073-709A4CA491E7}"/>
               </a:ext>
             </a:extLst>
           </p:cNvPr>
@@ -450,7 +450,7 @@
           <a:bodyPr/>
           <a:lstStyle/>
           <a:p>
-            <a:fld id="{401FB465-9C5D-479B-873C-1C5814626F87}" type="datetimeFigureOut">
+            <a:fld id="{D907383C-83C5-43C0-9CB5-F1DDC5886278}" type="datetimeFigureOut">
               <a:rPr lang="zh-CN" altLang="en-US" smtClean="0"/>
               <a:t>2024/3/10</a:t>
             </a:fld>
@@ -463,7 +463,7 @@
           <p:cNvPr id="5" name="页脚占位符 4">
             <a:extLst>
               <a:ext uri="{FF2B5EF4-FFF2-40B4-BE49-F238E27FC236}">
-                <a16:creationId xmlns:a16="http://schemas.microsoft.com/office/drawing/2014/main" id="{62459D72-382E-E54C-2AC6-862E8A109B85}"/>
+                <a16:creationId xmlns:a16="http://schemas.microsoft.com/office/drawing/2014/main" id="{18EF3536-AB36-3C7D-E447-3317A86E7C62}"/>
               </a:ext>
             </a:extLst>
           </p:cNvPr>
@@ -488,7 +488,7 @@
           <p:cNvPr id="6" name="灯片编号占位符 5">
             <a:extLst>
               <a:ext uri="{FF2B5EF4-FFF2-40B4-BE49-F238E27FC236}">
-                <a16:creationId xmlns:a16="http://schemas.microsoft.com/office/drawing/2014/main" id="{44811F82-3CC7-B1A9-57D9-2D7D49419B08}"/>
+                <a16:creationId xmlns:a16="http://schemas.microsoft.com/office/drawing/2014/main" id="{6E64F8D2-97B3-E5C0-6827-7A9C9A141F5A}"/>
               </a:ext>
             </a:extLst>
           </p:cNvPr>
@@ -504,7 +504,7 @@
           <a:bodyPr/>
           <a:lstStyle/>
           <a:p>
-            <a:fld id="{06D0FA9A-085D-48F4-80BC-D75C3ACECA4F}" type="slidenum">
+            <a:fld id="{BB389C74-0AC7-4053-AB2B-387A43ED7E3C}" type="slidenum">
               <a:rPr lang="zh-CN" altLang="en-US" smtClean="0"/>
               <a:t>‹#›</a:t>
             </a:fld>
@@ -515,7 +515,7 @@
     </p:spTree>
     <p:extLst>
       <p:ext uri="{BB962C8B-B14F-4D97-AF65-F5344CB8AC3E}">
-        <p14:creationId xmlns:p14="http://schemas.microsoft.com/office/powerpoint/2010/main" val="2666675132"/>
+        <p14:creationId xmlns:p14="http://schemas.microsoft.com/office/powerpoint/2010/main" val="1684753393"/>
       </p:ext>
     </p:extLst>
   </p:cSld>
@@ -547,7 +547,7 @@
           <p:cNvPr id="2" name="竖排标题 1">
             <a:extLst>
               <a:ext uri="{FF2B5EF4-FFF2-40B4-BE49-F238E27FC236}">
-                <a16:creationId xmlns:a16="http://schemas.microsoft.com/office/drawing/2014/main" id="{78F999D1-62D2-4C45-2A70-E1E215139AFE}"/>
+                <a16:creationId xmlns:a16="http://schemas.microsoft.com/office/drawing/2014/main" id="{356AF3D1-5F16-329A-2470-DC9634C38B5F}"/>
               </a:ext>
             </a:extLst>
           </p:cNvPr>
@@ -580,7 +580,7 @@
           <p:cNvPr id="3" name="竖排文字占位符 2">
             <a:extLst>
               <a:ext uri="{FF2B5EF4-FFF2-40B4-BE49-F238E27FC236}">
-                <a16:creationId xmlns:a16="http://schemas.microsoft.com/office/drawing/2014/main" id="{2D5FFC43-5122-F9D6-36E8-C595E19FF0BF}"/>
+                <a16:creationId xmlns:a16="http://schemas.microsoft.com/office/drawing/2014/main" id="{6F52DD77-6F24-7D1E-AF35-2CE67512C71B}"/>
               </a:ext>
             </a:extLst>
           </p:cNvPr>
@@ -642,7 +642,7 @@
           <p:cNvPr id="4" name="日期占位符 3">
             <a:extLst>
               <a:ext uri="{FF2B5EF4-FFF2-40B4-BE49-F238E27FC236}">
-                <a16:creationId xmlns:a16="http://schemas.microsoft.com/office/drawing/2014/main" id="{0CBD8FF0-36A3-F2F0-113D-6DD161F8791B}"/>
+                <a16:creationId xmlns:a16="http://schemas.microsoft.com/office/drawing/2014/main" id="{CE6C5BE3-76C3-3417-3D34-926C9248F3B9}"/>
               </a:ext>
             </a:extLst>
           </p:cNvPr>
@@ -658,7 +658,7 @@
           <a:bodyPr/>
           <a:lstStyle/>
           <a:p>
-            <a:fld id="{401FB465-9C5D-479B-873C-1C5814626F87}" type="datetimeFigureOut">
+            <a:fld id="{D907383C-83C5-43C0-9CB5-F1DDC5886278}" type="datetimeFigureOut">
               <a:rPr lang="zh-CN" altLang="en-US" smtClean="0"/>
               <a:t>2024/3/10</a:t>
             </a:fld>
@@ -671,7 +671,7 @@
           <p:cNvPr id="5" name="页脚占位符 4">
             <a:extLst>
               <a:ext uri="{FF2B5EF4-FFF2-40B4-BE49-F238E27FC236}">
-                <a16:creationId xmlns:a16="http://schemas.microsoft.com/office/drawing/2014/main" id="{EA85EE4C-EABF-8218-7AAF-3EB4D0CBE4CA}"/>
+                <a16:creationId xmlns:a16="http://schemas.microsoft.com/office/drawing/2014/main" id="{6187B362-A927-014A-90EB-4006548F8460}"/>
               </a:ext>
             </a:extLst>
           </p:cNvPr>
@@ -696,7 +696,7 @@
           <p:cNvPr id="6" name="灯片编号占位符 5">
             <a:extLst>
               <a:ext uri="{FF2B5EF4-FFF2-40B4-BE49-F238E27FC236}">
-                <a16:creationId xmlns:a16="http://schemas.microsoft.com/office/drawing/2014/main" id="{852B55AB-A3CF-529D-EA1A-321886B88C9B}"/>
+                <a16:creationId xmlns:a16="http://schemas.microsoft.com/office/drawing/2014/main" id="{6CFB21AD-0910-A22F-F09F-BBA672C1D932}"/>
               </a:ext>
             </a:extLst>
           </p:cNvPr>
@@ -712,7 +712,7 @@
           <a:bodyPr/>
           <a:lstStyle/>
           <a:p>
-            <a:fld id="{06D0FA9A-085D-48F4-80BC-D75C3ACECA4F}" type="slidenum">
+            <a:fld id="{BB389C74-0AC7-4053-AB2B-387A43ED7E3C}" type="slidenum">
               <a:rPr lang="zh-CN" altLang="en-US" smtClean="0"/>
               <a:t>‹#›</a:t>
             </a:fld>
@@ -723,7 +723,7 @@
     </p:spTree>
     <p:extLst>
       <p:ext uri="{BB962C8B-B14F-4D97-AF65-F5344CB8AC3E}">
-        <p14:creationId xmlns:p14="http://schemas.microsoft.com/office/powerpoint/2010/main" val="610490347"/>
+        <p14:creationId xmlns:p14="http://schemas.microsoft.com/office/powerpoint/2010/main" val="1591068861"/>
       </p:ext>
     </p:extLst>
   </p:cSld>
@@ -755,7 +755,7 @@
           <p:cNvPr id="2" name="标题 1">
             <a:extLst>
               <a:ext uri="{FF2B5EF4-FFF2-40B4-BE49-F238E27FC236}">
-                <a16:creationId xmlns:a16="http://schemas.microsoft.com/office/drawing/2014/main" id="{5DC3E709-DD40-DB75-6913-60DE8475199E}"/>
+                <a16:creationId xmlns:a16="http://schemas.microsoft.com/office/drawing/2014/main" id="{FFBCB7C7-BCB5-41D8-DB84-84517BF21599}"/>
               </a:ext>
             </a:extLst>
           </p:cNvPr>
@@ -783,7 +783,7 @@
           <p:cNvPr id="3" name="内容占位符 2">
             <a:extLst>
               <a:ext uri="{FF2B5EF4-FFF2-40B4-BE49-F238E27FC236}">
-                <a16:creationId xmlns:a16="http://schemas.microsoft.com/office/drawing/2014/main" id="{4CDC74D5-CCE3-F4F4-00DB-9DAFD1047B3C}"/>
+                <a16:creationId xmlns:a16="http://schemas.microsoft.com/office/drawing/2014/main" id="{7562ECA3-CB68-BDF2-28AD-BE6DF7FE5D47}"/>
               </a:ext>
             </a:extLst>
           </p:cNvPr>
@@ -840,7 +840,7 @@
           <p:cNvPr id="4" name="日期占位符 3">
             <a:extLst>
               <a:ext uri="{FF2B5EF4-FFF2-40B4-BE49-F238E27FC236}">
-                <a16:creationId xmlns:a16="http://schemas.microsoft.com/office/drawing/2014/main" id="{7B8CA599-B755-8E8F-0AF4-BF990AA17340}"/>
+                <a16:creationId xmlns:a16="http://schemas.microsoft.com/office/drawing/2014/main" id="{BACCD8EB-FCDB-106A-6732-EC645AB587B7}"/>
               </a:ext>
             </a:extLst>
           </p:cNvPr>
@@ -856,7 +856,7 @@
           <a:bodyPr/>
           <a:lstStyle/>
           <a:p>
-            <a:fld id="{401FB465-9C5D-479B-873C-1C5814626F87}" type="datetimeFigureOut">
+            <a:fld id="{D907383C-83C5-43C0-9CB5-F1DDC5886278}" type="datetimeFigureOut">
               <a:rPr lang="zh-CN" altLang="en-US" smtClean="0"/>
               <a:t>2024/3/10</a:t>
             </a:fld>
@@ -869,7 +869,7 @@
           <p:cNvPr id="5" name="页脚占位符 4">
             <a:extLst>
               <a:ext uri="{FF2B5EF4-FFF2-40B4-BE49-F238E27FC236}">
-                <a16:creationId xmlns:a16="http://schemas.microsoft.com/office/drawing/2014/main" id="{182DD13C-036B-489F-DDBA-FF05BC5DFEF0}"/>
+                <a16:creationId xmlns:a16="http://schemas.microsoft.com/office/drawing/2014/main" id="{9DD70F84-2E2B-3E6E-D99B-8C6171CFEB9C}"/>
               </a:ext>
             </a:extLst>
           </p:cNvPr>
@@ -894,7 +894,7 @@
           <p:cNvPr id="6" name="灯片编号占位符 5">
             <a:extLst>
               <a:ext uri="{FF2B5EF4-FFF2-40B4-BE49-F238E27FC236}">
-                <a16:creationId xmlns:a16="http://schemas.microsoft.com/office/drawing/2014/main" id="{AAE1DD4D-8E6F-B904-B773-2BFC3140D5C3}"/>
+                <a16:creationId xmlns:a16="http://schemas.microsoft.com/office/drawing/2014/main" id="{6E77065E-27B9-5306-0EF2-9CF80D2338D9}"/>
               </a:ext>
             </a:extLst>
           </p:cNvPr>
@@ -910,7 +910,7 @@
           <a:bodyPr/>
           <a:lstStyle/>
           <a:p>
-            <a:fld id="{06D0FA9A-085D-48F4-80BC-D75C3ACECA4F}" type="slidenum">
+            <a:fld id="{BB389C74-0AC7-4053-AB2B-387A43ED7E3C}" type="slidenum">
               <a:rPr lang="zh-CN" altLang="en-US" smtClean="0"/>
               <a:t>‹#›</a:t>
             </a:fld>
@@ -921,7 +921,7 @@
     </p:spTree>
     <p:extLst>
       <p:ext uri="{BB962C8B-B14F-4D97-AF65-F5344CB8AC3E}">
-        <p14:creationId xmlns:p14="http://schemas.microsoft.com/office/powerpoint/2010/main" val="963272014"/>
+        <p14:creationId xmlns:p14="http://schemas.microsoft.com/office/powerpoint/2010/main" val="2040806349"/>
       </p:ext>
     </p:extLst>
   </p:cSld>
@@ -953,7 +953,7 @@
           <p:cNvPr id="2" name="标题 1">
             <a:extLst>
               <a:ext uri="{FF2B5EF4-FFF2-40B4-BE49-F238E27FC236}">
-                <a16:creationId xmlns:a16="http://schemas.microsoft.com/office/drawing/2014/main" id="{97F3BE0A-49A3-FB63-269D-0240091F16A6}"/>
+                <a16:creationId xmlns:a16="http://schemas.microsoft.com/office/drawing/2014/main" id="{E0BF4EA1-9030-758F-D1D3-02EBE7581E42}"/>
               </a:ext>
             </a:extLst>
           </p:cNvPr>
@@ -990,7 +990,7 @@
           <p:cNvPr id="3" name="文本占位符 2">
             <a:extLst>
               <a:ext uri="{FF2B5EF4-FFF2-40B4-BE49-F238E27FC236}">
-                <a16:creationId xmlns:a16="http://schemas.microsoft.com/office/drawing/2014/main" id="{F6BD03C9-42C0-C618-CEFD-3ECD3464E8A5}"/>
+                <a16:creationId xmlns:a16="http://schemas.microsoft.com/office/drawing/2014/main" id="{E0661419-7E7D-A65F-FB66-854346DB07FA}"/>
               </a:ext>
             </a:extLst>
           </p:cNvPr>
@@ -1115,7 +1115,7 @@
           <p:cNvPr id="4" name="日期占位符 3">
             <a:extLst>
               <a:ext uri="{FF2B5EF4-FFF2-40B4-BE49-F238E27FC236}">
-                <a16:creationId xmlns:a16="http://schemas.microsoft.com/office/drawing/2014/main" id="{6DBD9383-0AD2-A7F7-483C-5C7DDA3AD467}"/>
+                <a16:creationId xmlns:a16="http://schemas.microsoft.com/office/drawing/2014/main" id="{DDCC6B6E-4F60-EC8D-4D51-3E71A9B0B9E3}"/>
               </a:ext>
             </a:extLst>
           </p:cNvPr>
@@ -1131,7 +1131,7 @@
           <a:bodyPr/>
           <a:lstStyle/>
           <a:p>
-            <a:fld id="{401FB465-9C5D-479B-873C-1C5814626F87}" type="datetimeFigureOut">
+            <a:fld id="{D907383C-83C5-43C0-9CB5-F1DDC5886278}" type="datetimeFigureOut">
               <a:rPr lang="zh-CN" altLang="en-US" smtClean="0"/>
               <a:t>2024/3/10</a:t>
             </a:fld>
@@ -1144,7 +1144,7 @@
           <p:cNvPr id="5" name="页脚占位符 4">
             <a:extLst>
               <a:ext uri="{FF2B5EF4-FFF2-40B4-BE49-F238E27FC236}">
-                <a16:creationId xmlns:a16="http://schemas.microsoft.com/office/drawing/2014/main" id="{126B2FDD-C42B-5080-79DF-AD2F080C8514}"/>
+                <a16:creationId xmlns:a16="http://schemas.microsoft.com/office/drawing/2014/main" id="{985F6EBF-C730-DFDF-1FCA-56CAD287ED8D}"/>
               </a:ext>
             </a:extLst>
           </p:cNvPr>
@@ -1169,7 +1169,7 @@
           <p:cNvPr id="6" name="灯片编号占位符 5">
             <a:extLst>
               <a:ext uri="{FF2B5EF4-FFF2-40B4-BE49-F238E27FC236}">
-                <a16:creationId xmlns:a16="http://schemas.microsoft.com/office/drawing/2014/main" id="{B469EE22-9CD0-EE1B-A473-25C7097F4C0C}"/>
+                <a16:creationId xmlns:a16="http://schemas.microsoft.com/office/drawing/2014/main" id="{1132E3B0-00E7-E07D-5C53-E9CA1F89B112}"/>
               </a:ext>
             </a:extLst>
           </p:cNvPr>
@@ -1185,7 +1185,7 @@
           <a:bodyPr/>
           <a:lstStyle/>
           <a:p>
-            <a:fld id="{06D0FA9A-085D-48F4-80BC-D75C3ACECA4F}" type="slidenum">
+            <a:fld id="{BB389C74-0AC7-4053-AB2B-387A43ED7E3C}" type="slidenum">
               <a:rPr lang="zh-CN" altLang="en-US" smtClean="0"/>
               <a:t>‹#›</a:t>
             </a:fld>
@@ -1196,7 +1196,7 @@
     </p:spTree>
     <p:extLst>
       <p:ext uri="{BB962C8B-B14F-4D97-AF65-F5344CB8AC3E}">
-        <p14:creationId xmlns:p14="http://schemas.microsoft.com/office/powerpoint/2010/main" val="2159538785"/>
+        <p14:creationId xmlns:p14="http://schemas.microsoft.com/office/powerpoint/2010/main" val="1440007055"/>
       </p:ext>
     </p:extLst>
   </p:cSld>
@@ -1228,7 +1228,7 @@
           <p:cNvPr id="2" name="标题 1">
             <a:extLst>
               <a:ext uri="{FF2B5EF4-FFF2-40B4-BE49-F238E27FC236}">
-                <a16:creationId xmlns:a16="http://schemas.microsoft.com/office/drawing/2014/main" id="{5EECD026-67AC-B9F9-4AF7-2F0464D83939}"/>
+                <a16:creationId xmlns:a16="http://schemas.microsoft.com/office/drawing/2014/main" id="{153E77FD-B9E3-BF90-49E0-48908D6A778C}"/>
               </a:ext>
             </a:extLst>
           </p:cNvPr>
@@ -1256,7 +1256,7 @@
           <p:cNvPr id="3" name="内容占位符 2">
             <a:extLst>
               <a:ext uri="{FF2B5EF4-FFF2-40B4-BE49-F238E27FC236}">
-                <a16:creationId xmlns:a16="http://schemas.microsoft.com/office/drawing/2014/main" id="{822B810B-0F8E-1084-8CE9-E2B3D28128BF}"/>
+                <a16:creationId xmlns:a16="http://schemas.microsoft.com/office/drawing/2014/main" id="{C1807CA9-8FC9-719F-4690-B6DBD9198159}"/>
               </a:ext>
             </a:extLst>
           </p:cNvPr>
@@ -1318,7 +1318,7 @@
           <p:cNvPr id="4" name="内容占位符 3">
             <a:extLst>
               <a:ext uri="{FF2B5EF4-FFF2-40B4-BE49-F238E27FC236}">
-                <a16:creationId xmlns:a16="http://schemas.microsoft.com/office/drawing/2014/main" id="{5EAEC8E4-2834-3ADD-AE8E-FC8478E20FA8}"/>
+                <a16:creationId xmlns:a16="http://schemas.microsoft.com/office/drawing/2014/main" id="{EFE77DB9-CE72-2CB4-786F-19DACC110043}"/>
               </a:ext>
             </a:extLst>
           </p:cNvPr>
@@ -1380,7 +1380,7 @@
           <p:cNvPr id="5" name="日期占位符 4">
             <a:extLst>
               <a:ext uri="{FF2B5EF4-FFF2-40B4-BE49-F238E27FC236}">
-                <a16:creationId xmlns:a16="http://schemas.microsoft.com/office/drawing/2014/main" id="{764BE1C3-C962-6D78-A7BB-7715A586B650}"/>
+                <a16:creationId xmlns:a16="http://schemas.microsoft.com/office/drawing/2014/main" id="{0ED9F8D8-1E0D-40AD-9141-C17F9CDEFA47}"/>
               </a:ext>
             </a:extLst>
           </p:cNvPr>
@@ -1396,7 +1396,7 @@
           <a:bodyPr/>
           <a:lstStyle/>
           <a:p>
-            <a:fld id="{401FB465-9C5D-479B-873C-1C5814626F87}" type="datetimeFigureOut">
+            <a:fld id="{D907383C-83C5-43C0-9CB5-F1DDC5886278}" type="datetimeFigureOut">
               <a:rPr lang="zh-CN" altLang="en-US" smtClean="0"/>
               <a:t>2024/3/10</a:t>
             </a:fld>
@@ -1409,7 +1409,7 @@
           <p:cNvPr id="6" name="页脚占位符 5">
             <a:extLst>
               <a:ext uri="{FF2B5EF4-FFF2-40B4-BE49-F238E27FC236}">
-                <a16:creationId xmlns:a16="http://schemas.microsoft.com/office/drawing/2014/main" id="{A91A23B2-18D2-CE31-C779-D8756590FF04}"/>
+                <a16:creationId xmlns:a16="http://schemas.microsoft.com/office/drawing/2014/main" id="{04D5B911-D173-9569-6C7A-B623AEB6F585}"/>
               </a:ext>
             </a:extLst>
           </p:cNvPr>
@@ -1434,7 +1434,7 @@
           <p:cNvPr id="7" name="灯片编号占位符 6">
             <a:extLst>
               <a:ext uri="{FF2B5EF4-FFF2-40B4-BE49-F238E27FC236}">
-                <a16:creationId xmlns:a16="http://schemas.microsoft.com/office/drawing/2014/main" id="{C6D2916B-8301-AB97-3B04-7F71FC67C6D9}"/>
+                <a16:creationId xmlns:a16="http://schemas.microsoft.com/office/drawing/2014/main" id="{CFEAF5BC-53AC-A1DC-D788-9476AD6E44BC}"/>
               </a:ext>
             </a:extLst>
           </p:cNvPr>
@@ -1450,7 +1450,7 @@
           <a:bodyPr/>
           <a:lstStyle/>
           <a:p>
-            <a:fld id="{06D0FA9A-085D-48F4-80BC-D75C3ACECA4F}" type="slidenum">
+            <a:fld id="{BB389C74-0AC7-4053-AB2B-387A43ED7E3C}" type="slidenum">
               <a:rPr lang="zh-CN" altLang="en-US" smtClean="0"/>
               <a:t>‹#›</a:t>
             </a:fld>
@@ -1461,7 +1461,7 @@
     </p:spTree>
     <p:extLst>
       <p:ext uri="{BB962C8B-B14F-4D97-AF65-F5344CB8AC3E}">
-        <p14:creationId xmlns:p14="http://schemas.microsoft.com/office/powerpoint/2010/main" val="3289275409"/>
+        <p14:creationId xmlns:p14="http://schemas.microsoft.com/office/powerpoint/2010/main" val="2206041147"/>
       </p:ext>
     </p:extLst>
   </p:cSld>
@@ -1493,7 +1493,7 @@
           <p:cNvPr id="2" name="标题 1">
             <a:extLst>
               <a:ext uri="{FF2B5EF4-FFF2-40B4-BE49-F238E27FC236}">
-                <a16:creationId xmlns:a16="http://schemas.microsoft.com/office/drawing/2014/main" id="{58C741F6-047A-22B7-E736-5FEE741F579C}"/>
+                <a16:creationId xmlns:a16="http://schemas.microsoft.com/office/drawing/2014/main" id="{427E8127-CE8E-0D35-AA75-BEB743D5E689}"/>
               </a:ext>
             </a:extLst>
           </p:cNvPr>
@@ -1526,7 +1526,7 @@
           <p:cNvPr id="3" name="文本占位符 2">
             <a:extLst>
               <a:ext uri="{FF2B5EF4-FFF2-40B4-BE49-F238E27FC236}">
-                <a16:creationId xmlns:a16="http://schemas.microsoft.com/office/drawing/2014/main" id="{126C988C-E872-C81E-A5EB-D8A8A25A3807}"/>
+                <a16:creationId xmlns:a16="http://schemas.microsoft.com/office/drawing/2014/main" id="{37182AC4-B90E-CFD0-2B6C-9E089943DC0B}"/>
               </a:ext>
             </a:extLst>
           </p:cNvPr>
@@ -1597,7 +1597,7 @@
           <p:cNvPr id="4" name="内容占位符 3">
             <a:extLst>
               <a:ext uri="{FF2B5EF4-FFF2-40B4-BE49-F238E27FC236}">
-                <a16:creationId xmlns:a16="http://schemas.microsoft.com/office/drawing/2014/main" id="{6CA67A58-82EE-6F4B-3581-A1197FF71F1E}"/>
+                <a16:creationId xmlns:a16="http://schemas.microsoft.com/office/drawing/2014/main" id="{16D3441A-EFAD-CBD0-46C5-A0620DD83CBE}"/>
               </a:ext>
             </a:extLst>
           </p:cNvPr>
@@ -1659,7 +1659,7 @@
           <p:cNvPr id="5" name="文本占位符 4">
             <a:extLst>
               <a:ext uri="{FF2B5EF4-FFF2-40B4-BE49-F238E27FC236}">
-                <a16:creationId xmlns:a16="http://schemas.microsoft.com/office/drawing/2014/main" id="{FCE263BC-AD87-0EA2-15F1-64A9EDE60CAD}"/>
+                <a16:creationId xmlns:a16="http://schemas.microsoft.com/office/drawing/2014/main" id="{43679F99-CE9D-DFD1-BA61-1D376EFE99B4}"/>
               </a:ext>
             </a:extLst>
           </p:cNvPr>
@@ -1730,7 +1730,7 @@
           <p:cNvPr id="6" name="内容占位符 5">
             <a:extLst>
               <a:ext uri="{FF2B5EF4-FFF2-40B4-BE49-F238E27FC236}">
-                <a16:creationId xmlns:a16="http://schemas.microsoft.com/office/drawing/2014/main" id="{83C13D59-BA5F-AFF9-3D69-2A7D7A6CE68F}"/>
+                <a16:creationId xmlns:a16="http://schemas.microsoft.com/office/drawing/2014/main" id="{EE233B59-142B-63ED-FBFD-EC658912CF1F}"/>
               </a:ext>
             </a:extLst>
           </p:cNvPr>
@@ -1792,7 +1792,7 @@
           <p:cNvPr id="7" name="日期占位符 6">
             <a:extLst>
               <a:ext uri="{FF2B5EF4-FFF2-40B4-BE49-F238E27FC236}">
-                <a16:creationId xmlns:a16="http://schemas.microsoft.com/office/drawing/2014/main" id="{63DCACBC-2BF3-3C57-A308-0656769083CD}"/>
+                <a16:creationId xmlns:a16="http://schemas.microsoft.com/office/drawing/2014/main" id="{1B33CF09-2283-A793-6DA2-046DBE26F659}"/>
               </a:ext>
             </a:extLst>
           </p:cNvPr>
@@ -1808,7 +1808,7 @@
           <a:bodyPr/>
           <a:lstStyle/>
           <a:p>
-            <a:fld id="{401FB465-9C5D-479B-873C-1C5814626F87}" type="datetimeFigureOut">
+            <a:fld id="{D907383C-83C5-43C0-9CB5-F1DDC5886278}" type="datetimeFigureOut">
               <a:rPr lang="zh-CN" altLang="en-US" smtClean="0"/>
               <a:t>2024/3/10</a:t>
             </a:fld>
@@ -1821,7 +1821,7 @@
           <p:cNvPr id="8" name="页脚占位符 7">
             <a:extLst>
               <a:ext uri="{FF2B5EF4-FFF2-40B4-BE49-F238E27FC236}">
-                <a16:creationId xmlns:a16="http://schemas.microsoft.com/office/drawing/2014/main" id="{293E17F7-CB09-2CB8-F4F2-F46532DF164B}"/>
+                <a16:creationId xmlns:a16="http://schemas.microsoft.com/office/drawing/2014/main" id="{59058FEA-17C0-FC4E-8152-18B452B44CE0}"/>
               </a:ext>
             </a:extLst>
           </p:cNvPr>
@@ -1846,7 +1846,7 @@
           <p:cNvPr id="9" name="灯片编号占位符 8">
             <a:extLst>
               <a:ext uri="{FF2B5EF4-FFF2-40B4-BE49-F238E27FC236}">
-                <a16:creationId xmlns:a16="http://schemas.microsoft.com/office/drawing/2014/main" id="{4DC6EDDD-5A48-3FBB-B4B3-F82EFDA9BFE0}"/>
+                <a16:creationId xmlns:a16="http://schemas.microsoft.com/office/drawing/2014/main" id="{5D2E4E30-B8D9-D15E-FA0A-2F0A3F9BE8D8}"/>
               </a:ext>
             </a:extLst>
           </p:cNvPr>
@@ -1862,7 +1862,7 @@
           <a:bodyPr/>
           <a:lstStyle/>
           <a:p>
-            <a:fld id="{06D0FA9A-085D-48F4-80BC-D75C3ACECA4F}" type="slidenum">
+            <a:fld id="{BB389C74-0AC7-4053-AB2B-387A43ED7E3C}" type="slidenum">
               <a:rPr lang="zh-CN" altLang="en-US" smtClean="0"/>
               <a:t>‹#›</a:t>
             </a:fld>
@@ -1873,7 +1873,7 @@
     </p:spTree>
     <p:extLst>
       <p:ext uri="{BB962C8B-B14F-4D97-AF65-F5344CB8AC3E}">
-        <p14:creationId xmlns:p14="http://schemas.microsoft.com/office/powerpoint/2010/main" val="77285645"/>
+        <p14:creationId xmlns:p14="http://schemas.microsoft.com/office/powerpoint/2010/main" val="170006366"/>
       </p:ext>
     </p:extLst>
   </p:cSld>
@@ -1905,7 +1905,7 @@
           <p:cNvPr id="2" name="标题 1">
             <a:extLst>
               <a:ext uri="{FF2B5EF4-FFF2-40B4-BE49-F238E27FC236}">
-                <a16:creationId xmlns:a16="http://schemas.microsoft.com/office/drawing/2014/main" id="{72FE1E65-C040-3EAE-533C-A1F7270F833B}"/>
+                <a16:creationId xmlns:a16="http://schemas.microsoft.com/office/drawing/2014/main" id="{DC6C5CB0-8478-3645-01ED-8A5607B22D41}"/>
               </a:ext>
             </a:extLst>
           </p:cNvPr>
@@ -1933,7 +1933,7 @@
           <p:cNvPr id="3" name="日期占位符 2">
             <a:extLst>
               <a:ext uri="{FF2B5EF4-FFF2-40B4-BE49-F238E27FC236}">
-                <a16:creationId xmlns:a16="http://schemas.microsoft.com/office/drawing/2014/main" id="{FB3A50CC-6D14-9520-D42A-F0D457827B56}"/>
+                <a16:creationId xmlns:a16="http://schemas.microsoft.com/office/drawing/2014/main" id="{E7B60138-3F02-C445-1D78-B9DE49C940B6}"/>
               </a:ext>
             </a:extLst>
           </p:cNvPr>
@@ -1949,7 +1949,7 @@
           <a:bodyPr/>
           <a:lstStyle/>
           <a:p>
-            <a:fld id="{401FB465-9C5D-479B-873C-1C5814626F87}" type="datetimeFigureOut">
+            <a:fld id="{D907383C-83C5-43C0-9CB5-F1DDC5886278}" type="datetimeFigureOut">
               <a:rPr lang="zh-CN" altLang="en-US" smtClean="0"/>
               <a:t>2024/3/10</a:t>
             </a:fld>
@@ -1962,7 +1962,7 @@
           <p:cNvPr id="4" name="页脚占位符 3">
             <a:extLst>
               <a:ext uri="{FF2B5EF4-FFF2-40B4-BE49-F238E27FC236}">
-                <a16:creationId xmlns:a16="http://schemas.microsoft.com/office/drawing/2014/main" id="{4ECCD73F-A6D6-48FE-D5A8-5189E656ACA2}"/>
+                <a16:creationId xmlns:a16="http://schemas.microsoft.com/office/drawing/2014/main" id="{86E1EE71-5050-CD37-51DA-A5F7B6AF06D5}"/>
               </a:ext>
             </a:extLst>
           </p:cNvPr>
@@ -1987,7 +1987,7 @@
           <p:cNvPr id="5" name="灯片编号占位符 4">
             <a:extLst>
               <a:ext uri="{FF2B5EF4-FFF2-40B4-BE49-F238E27FC236}">
-                <a16:creationId xmlns:a16="http://schemas.microsoft.com/office/drawing/2014/main" id="{F4B4AA12-D9E1-9ED6-965A-8201B84A1B13}"/>
+                <a16:creationId xmlns:a16="http://schemas.microsoft.com/office/drawing/2014/main" id="{56B77A9D-A82A-8F10-C12C-39324569227C}"/>
               </a:ext>
             </a:extLst>
           </p:cNvPr>
@@ -2003,7 +2003,7 @@
           <a:bodyPr/>
           <a:lstStyle/>
           <a:p>
-            <a:fld id="{06D0FA9A-085D-48F4-80BC-D75C3ACECA4F}" type="slidenum">
+            <a:fld id="{BB389C74-0AC7-4053-AB2B-387A43ED7E3C}" type="slidenum">
               <a:rPr lang="zh-CN" altLang="en-US" smtClean="0"/>
               <a:t>‹#›</a:t>
             </a:fld>
@@ -2014,7 +2014,7 @@
     </p:spTree>
     <p:extLst>
       <p:ext uri="{BB962C8B-B14F-4D97-AF65-F5344CB8AC3E}">
-        <p14:creationId xmlns:p14="http://schemas.microsoft.com/office/powerpoint/2010/main" val="1976886044"/>
+        <p14:creationId xmlns:p14="http://schemas.microsoft.com/office/powerpoint/2010/main" val="1808808081"/>
       </p:ext>
     </p:extLst>
   </p:cSld>
@@ -2046,7 +2046,7 @@
           <p:cNvPr id="2" name="日期占位符 1">
             <a:extLst>
               <a:ext uri="{FF2B5EF4-FFF2-40B4-BE49-F238E27FC236}">
-                <a16:creationId xmlns:a16="http://schemas.microsoft.com/office/drawing/2014/main" id="{5C610CFF-E75E-3154-7CFE-1B7BB4FAEE65}"/>
+                <a16:creationId xmlns:a16="http://schemas.microsoft.com/office/drawing/2014/main" id="{D4D3FE2C-2144-1863-3A1B-1BB5973CF282}"/>
               </a:ext>
             </a:extLst>
           </p:cNvPr>
@@ -2062,7 +2062,7 @@
           <a:bodyPr/>
           <a:lstStyle/>
           <a:p>
-            <a:fld id="{401FB465-9C5D-479B-873C-1C5814626F87}" type="datetimeFigureOut">
+            <a:fld id="{D907383C-83C5-43C0-9CB5-F1DDC5886278}" type="datetimeFigureOut">
               <a:rPr lang="zh-CN" altLang="en-US" smtClean="0"/>
               <a:t>2024/3/10</a:t>
             </a:fld>
@@ -2075,7 +2075,7 @@
           <p:cNvPr id="3" name="页脚占位符 2">
             <a:extLst>
               <a:ext uri="{FF2B5EF4-FFF2-40B4-BE49-F238E27FC236}">
-                <a16:creationId xmlns:a16="http://schemas.microsoft.com/office/drawing/2014/main" id="{34756E2F-3D32-D5FB-0949-F9F725EE34A4}"/>
+                <a16:creationId xmlns:a16="http://schemas.microsoft.com/office/drawing/2014/main" id="{B1841F04-9717-07CA-B1A8-00590ECD4481}"/>
               </a:ext>
             </a:extLst>
           </p:cNvPr>
@@ -2100,7 +2100,7 @@
           <p:cNvPr id="4" name="灯片编号占位符 3">
             <a:extLst>
               <a:ext uri="{FF2B5EF4-FFF2-40B4-BE49-F238E27FC236}">
-                <a16:creationId xmlns:a16="http://schemas.microsoft.com/office/drawing/2014/main" id="{29B0B856-5D94-E261-A724-8FF7667AE7AE}"/>
+                <a16:creationId xmlns:a16="http://schemas.microsoft.com/office/drawing/2014/main" id="{F5F75F73-0C7A-761F-CB06-E828A438EFEC}"/>
               </a:ext>
             </a:extLst>
           </p:cNvPr>
@@ -2116,7 +2116,7 @@
           <a:bodyPr/>
           <a:lstStyle/>
           <a:p>
-            <a:fld id="{06D0FA9A-085D-48F4-80BC-D75C3ACECA4F}" type="slidenum">
+            <a:fld id="{BB389C74-0AC7-4053-AB2B-387A43ED7E3C}" type="slidenum">
               <a:rPr lang="zh-CN" altLang="en-US" smtClean="0"/>
               <a:t>‹#›</a:t>
             </a:fld>
@@ -2127,7 +2127,7 @@
     </p:spTree>
     <p:extLst>
       <p:ext uri="{BB962C8B-B14F-4D97-AF65-F5344CB8AC3E}">
-        <p14:creationId xmlns:p14="http://schemas.microsoft.com/office/powerpoint/2010/main" val="2468116818"/>
+        <p14:creationId xmlns:p14="http://schemas.microsoft.com/office/powerpoint/2010/main" val="458694836"/>
       </p:ext>
     </p:extLst>
   </p:cSld>
@@ -2159,7 +2159,7 @@
           <p:cNvPr id="2" name="标题 1">
             <a:extLst>
               <a:ext uri="{FF2B5EF4-FFF2-40B4-BE49-F238E27FC236}">
-                <a16:creationId xmlns:a16="http://schemas.microsoft.com/office/drawing/2014/main" id="{A28D9BB0-BAF5-6DC2-7195-A91D3F12B54C}"/>
+                <a16:creationId xmlns:a16="http://schemas.microsoft.com/office/drawing/2014/main" id="{5E4AB824-AF6E-EDDE-6322-965A4A961436}"/>
               </a:ext>
             </a:extLst>
           </p:cNvPr>
@@ -2196,7 +2196,7 @@
           <p:cNvPr id="3" name="内容占位符 2">
             <a:extLst>
               <a:ext uri="{FF2B5EF4-FFF2-40B4-BE49-F238E27FC236}">
-                <a16:creationId xmlns:a16="http://schemas.microsoft.com/office/drawing/2014/main" id="{083CA3D2-A714-8C2E-26A2-5D7B3AE5964C}"/>
+                <a16:creationId xmlns:a16="http://schemas.microsoft.com/office/drawing/2014/main" id="{B7DEE7B6-DA8D-8964-7C61-D9DD282AD843}"/>
               </a:ext>
             </a:extLst>
           </p:cNvPr>
@@ -2286,7 +2286,7 @@
           <p:cNvPr id="4" name="文本占位符 3">
             <a:extLst>
               <a:ext uri="{FF2B5EF4-FFF2-40B4-BE49-F238E27FC236}">
-                <a16:creationId xmlns:a16="http://schemas.microsoft.com/office/drawing/2014/main" id="{2C80413A-6992-02EB-2BA3-E7F66AA69A2C}"/>
+                <a16:creationId xmlns:a16="http://schemas.microsoft.com/office/drawing/2014/main" id="{243400D2-F857-894C-05DF-93A84096C381}"/>
               </a:ext>
             </a:extLst>
           </p:cNvPr>
@@ -2357,7 +2357,7 @@
           <p:cNvPr id="5" name="日期占位符 4">
             <a:extLst>
               <a:ext uri="{FF2B5EF4-FFF2-40B4-BE49-F238E27FC236}">
-                <a16:creationId xmlns:a16="http://schemas.microsoft.com/office/drawing/2014/main" id="{5C17A764-1849-DA31-C5E3-349616F05ECE}"/>
+                <a16:creationId xmlns:a16="http://schemas.microsoft.com/office/drawing/2014/main" id="{D6522304-C3D6-4F25-A507-22EB2D0BD0D2}"/>
               </a:ext>
             </a:extLst>
           </p:cNvPr>
@@ -2373,7 +2373,7 @@
           <a:bodyPr/>
           <a:lstStyle/>
           <a:p>
-            <a:fld id="{401FB465-9C5D-479B-873C-1C5814626F87}" type="datetimeFigureOut">
+            <a:fld id="{D907383C-83C5-43C0-9CB5-F1DDC5886278}" type="datetimeFigureOut">
               <a:rPr lang="zh-CN" altLang="en-US" smtClean="0"/>
               <a:t>2024/3/10</a:t>
             </a:fld>
@@ -2386,7 +2386,7 @@
           <p:cNvPr id="6" name="页脚占位符 5">
             <a:extLst>
               <a:ext uri="{FF2B5EF4-FFF2-40B4-BE49-F238E27FC236}">
-                <a16:creationId xmlns:a16="http://schemas.microsoft.com/office/drawing/2014/main" id="{D2F09251-69C5-64B3-6311-7D9BA8C73D3C}"/>
+                <a16:creationId xmlns:a16="http://schemas.microsoft.com/office/drawing/2014/main" id="{EF775674-4288-A0F8-9DE5-4FEBE896F5C7}"/>
               </a:ext>
             </a:extLst>
           </p:cNvPr>
@@ -2411,7 +2411,7 @@
           <p:cNvPr id="7" name="灯片编号占位符 6">
             <a:extLst>
               <a:ext uri="{FF2B5EF4-FFF2-40B4-BE49-F238E27FC236}">
-                <a16:creationId xmlns:a16="http://schemas.microsoft.com/office/drawing/2014/main" id="{E0F1D717-77F8-A542-B1CB-330607DD5ADB}"/>
+                <a16:creationId xmlns:a16="http://schemas.microsoft.com/office/drawing/2014/main" id="{203EB61A-0213-9DE8-BBAB-85096160B925}"/>
               </a:ext>
             </a:extLst>
           </p:cNvPr>
@@ -2427,7 +2427,7 @@
           <a:bodyPr/>
           <a:lstStyle/>
           <a:p>
-            <a:fld id="{06D0FA9A-085D-48F4-80BC-D75C3ACECA4F}" type="slidenum">
+            <a:fld id="{BB389C74-0AC7-4053-AB2B-387A43ED7E3C}" type="slidenum">
               <a:rPr lang="zh-CN" altLang="en-US" smtClean="0"/>
               <a:t>‹#›</a:t>
             </a:fld>
@@ -2438,7 +2438,7 @@
     </p:spTree>
     <p:extLst>
       <p:ext uri="{BB962C8B-B14F-4D97-AF65-F5344CB8AC3E}">
-        <p14:creationId xmlns:p14="http://schemas.microsoft.com/office/powerpoint/2010/main" val="2173964348"/>
+        <p14:creationId xmlns:p14="http://schemas.microsoft.com/office/powerpoint/2010/main" val="217517237"/>
       </p:ext>
     </p:extLst>
   </p:cSld>
@@ -2470,7 +2470,7 @@
           <p:cNvPr id="2" name="标题 1">
             <a:extLst>
               <a:ext uri="{FF2B5EF4-FFF2-40B4-BE49-F238E27FC236}">
-                <a16:creationId xmlns:a16="http://schemas.microsoft.com/office/drawing/2014/main" id="{2D36369B-68E8-DDBA-8CF2-D40A78924A8C}"/>
+                <a16:creationId xmlns:a16="http://schemas.microsoft.com/office/drawing/2014/main" id="{58E76626-8212-E5E7-6AA3-1B6CD74408F3}"/>
               </a:ext>
             </a:extLst>
           </p:cNvPr>
@@ -2507,7 +2507,7 @@
           <p:cNvPr id="3" name="图片占位符 2">
             <a:extLst>
               <a:ext uri="{FF2B5EF4-FFF2-40B4-BE49-F238E27FC236}">
-                <a16:creationId xmlns:a16="http://schemas.microsoft.com/office/drawing/2014/main" id="{85C064D0-BE89-B708-F47B-A36FE955A615}"/>
+                <a16:creationId xmlns:a16="http://schemas.microsoft.com/office/drawing/2014/main" id="{CD0C1C89-9204-9DCA-B395-ABE022712834}"/>
               </a:ext>
             </a:extLst>
           </p:cNvPr>
@@ -2574,7 +2574,7 @@
           <p:cNvPr id="4" name="文本占位符 3">
             <a:extLst>
               <a:ext uri="{FF2B5EF4-FFF2-40B4-BE49-F238E27FC236}">
-                <a16:creationId xmlns:a16="http://schemas.microsoft.com/office/drawing/2014/main" id="{2C7135D3-B1A2-0678-4C39-866C648CC456}"/>
+                <a16:creationId xmlns:a16="http://schemas.microsoft.com/office/drawing/2014/main" id="{7205E04C-F944-9FF6-C873-45C25EBEC5A3}"/>
               </a:ext>
             </a:extLst>
           </p:cNvPr>
@@ -2645,7 +2645,7 @@
           <p:cNvPr id="5" name="日期占位符 4">
             <a:extLst>
               <a:ext uri="{FF2B5EF4-FFF2-40B4-BE49-F238E27FC236}">
-                <a16:creationId xmlns:a16="http://schemas.microsoft.com/office/drawing/2014/main" id="{952189D6-9A32-4231-0A0F-98BB6D3AC89A}"/>
+                <a16:creationId xmlns:a16="http://schemas.microsoft.com/office/drawing/2014/main" id="{785134F5-4CDA-2889-75B1-BEA2F5B66CF8}"/>
               </a:ext>
             </a:extLst>
           </p:cNvPr>
@@ -2661,7 +2661,7 @@
           <a:bodyPr/>
           <a:lstStyle/>
           <a:p>
-            <a:fld id="{401FB465-9C5D-479B-873C-1C5814626F87}" type="datetimeFigureOut">
+            <a:fld id="{D907383C-83C5-43C0-9CB5-F1DDC5886278}" type="datetimeFigureOut">
               <a:rPr lang="zh-CN" altLang="en-US" smtClean="0"/>
               <a:t>2024/3/10</a:t>
             </a:fld>
@@ -2674,7 +2674,7 @@
           <p:cNvPr id="6" name="页脚占位符 5">
             <a:extLst>
               <a:ext uri="{FF2B5EF4-FFF2-40B4-BE49-F238E27FC236}">
-                <a16:creationId xmlns:a16="http://schemas.microsoft.com/office/drawing/2014/main" id="{D40C9F1B-C6F0-0BFA-28FE-DA2E9B5EC984}"/>
+                <a16:creationId xmlns:a16="http://schemas.microsoft.com/office/drawing/2014/main" id="{4E5C367F-44ED-EE99-1A51-CEB4E2AEF790}"/>
               </a:ext>
             </a:extLst>
           </p:cNvPr>
@@ -2699,7 +2699,7 @@
           <p:cNvPr id="7" name="灯片编号占位符 6">
             <a:extLst>
               <a:ext uri="{FF2B5EF4-FFF2-40B4-BE49-F238E27FC236}">
-                <a16:creationId xmlns:a16="http://schemas.microsoft.com/office/drawing/2014/main" id="{2294DC7B-F048-C60A-9827-410E15454854}"/>
+                <a16:creationId xmlns:a16="http://schemas.microsoft.com/office/drawing/2014/main" id="{0144ADB6-09F9-B1BA-BFF5-264CFC68942C}"/>
               </a:ext>
             </a:extLst>
           </p:cNvPr>
@@ -2715,7 +2715,7 @@
           <a:bodyPr/>
           <a:lstStyle/>
           <a:p>
-            <a:fld id="{06D0FA9A-085D-48F4-80BC-D75C3ACECA4F}" type="slidenum">
+            <a:fld id="{BB389C74-0AC7-4053-AB2B-387A43ED7E3C}" type="slidenum">
               <a:rPr lang="zh-CN" altLang="en-US" smtClean="0"/>
               <a:t>‹#›</a:t>
             </a:fld>
@@ -2726,7 +2726,7 @@
     </p:spTree>
     <p:extLst>
       <p:ext uri="{BB962C8B-B14F-4D97-AF65-F5344CB8AC3E}">
-        <p14:creationId xmlns:p14="http://schemas.microsoft.com/office/powerpoint/2010/main" val="1291989685"/>
+        <p14:creationId xmlns:p14="http://schemas.microsoft.com/office/powerpoint/2010/main" val="1976440667"/>
       </p:ext>
     </p:extLst>
   </p:cSld>
@@ -2763,7 +2763,7 @@
           <p:cNvPr id="2" name="标题占位符 1">
             <a:extLst>
               <a:ext uri="{FF2B5EF4-FFF2-40B4-BE49-F238E27FC236}">
-                <a16:creationId xmlns:a16="http://schemas.microsoft.com/office/drawing/2014/main" id="{783581B5-85A4-5326-CD3E-585080FDEF98}"/>
+                <a16:creationId xmlns:a16="http://schemas.microsoft.com/office/drawing/2014/main" id="{2CB3037F-E980-CB0A-10CE-85AC0061DBA9}"/>
               </a:ext>
             </a:extLst>
           </p:cNvPr>
@@ -2801,7 +2801,7 @@
           <p:cNvPr id="3" name="文本占位符 2">
             <a:extLst>
               <a:ext uri="{FF2B5EF4-FFF2-40B4-BE49-F238E27FC236}">
-                <a16:creationId xmlns:a16="http://schemas.microsoft.com/office/drawing/2014/main" id="{5DAE5AB1-13CC-2DB8-F88C-3B5A52A62AD9}"/>
+                <a16:creationId xmlns:a16="http://schemas.microsoft.com/office/drawing/2014/main" id="{ECD50F1C-D72E-A2CF-5818-245DFF1663F1}"/>
               </a:ext>
             </a:extLst>
           </p:cNvPr>
@@ -2868,7 +2868,7 @@
           <p:cNvPr id="4" name="日期占位符 3">
             <a:extLst>
               <a:ext uri="{FF2B5EF4-FFF2-40B4-BE49-F238E27FC236}">
-                <a16:creationId xmlns:a16="http://schemas.microsoft.com/office/drawing/2014/main" id="{EE9CDBCA-1949-60B0-F74D-6DE8B1EEF809}"/>
+                <a16:creationId xmlns:a16="http://schemas.microsoft.com/office/drawing/2014/main" id="{5B1D5BE8-EF4D-B4DD-5620-BEC9E65F11EF}"/>
               </a:ext>
             </a:extLst>
           </p:cNvPr>
@@ -2902,7 +2902,7 @@
             </a:lvl1pPr>
           </a:lstStyle>
           <a:p>
-            <a:fld id="{401FB465-9C5D-479B-873C-1C5814626F87}" type="datetimeFigureOut">
+            <a:fld id="{D907383C-83C5-43C0-9CB5-F1DDC5886278}" type="datetimeFigureOut">
               <a:rPr lang="zh-CN" altLang="en-US" smtClean="0"/>
               <a:t>2024/3/10</a:t>
             </a:fld>
@@ -2915,7 +2915,7 @@
           <p:cNvPr id="5" name="页脚占位符 4">
             <a:extLst>
               <a:ext uri="{FF2B5EF4-FFF2-40B4-BE49-F238E27FC236}">
-                <a16:creationId xmlns:a16="http://schemas.microsoft.com/office/drawing/2014/main" id="{F0F1B7A2-EBBF-A31A-92A0-1595CC89AEC5}"/>
+                <a16:creationId xmlns:a16="http://schemas.microsoft.com/office/drawing/2014/main" id="{DD7F5CFC-3BD5-820A-89FE-0701B63E7666}"/>
               </a:ext>
             </a:extLst>
           </p:cNvPr>
@@ -2958,7 +2958,7 @@
           <p:cNvPr id="6" name="灯片编号占位符 5">
             <a:extLst>
               <a:ext uri="{FF2B5EF4-FFF2-40B4-BE49-F238E27FC236}">
-                <a16:creationId xmlns:a16="http://schemas.microsoft.com/office/drawing/2014/main" id="{C9806AF8-4EE9-C5B9-ACFC-2A37EFF793B2}"/>
+                <a16:creationId xmlns:a16="http://schemas.microsoft.com/office/drawing/2014/main" id="{1DC0567C-E5BE-0BFF-BEB7-3D5002A9B0CE}"/>
               </a:ext>
             </a:extLst>
           </p:cNvPr>
@@ -2992,7 +2992,7 @@
             </a:lvl1pPr>
           </a:lstStyle>
           <a:p>
-            <a:fld id="{06D0FA9A-085D-48F4-80BC-D75C3ACECA4F}" type="slidenum">
+            <a:fld id="{BB389C74-0AC7-4053-AB2B-387A43ED7E3C}" type="slidenum">
               <a:rPr lang="zh-CN" altLang="en-US" smtClean="0"/>
               <a:t>‹#›</a:t>
             </a:fld>
@@ -3003,7 +3003,7 @@
     </p:spTree>
     <p:extLst>
       <p:ext uri="{BB962C8B-B14F-4D97-AF65-F5344CB8AC3E}">
-        <p14:creationId xmlns:p14="http://schemas.microsoft.com/office/powerpoint/2010/main" val="296217498"/>
+        <p14:creationId xmlns:p14="http://schemas.microsoft.com/office/powerpoint/2010/main" val="757829751"/>
       </p:ext>
     </p:extLst>
   </p:cSld>
@@ -3323,7 +3323,7 @@
       </p:grpSpPr>
       <p:pic>
         <p:nvPicPr>
-          <p:cNvPr id="739330" name="Picture 2" descr="721"/>
+          <p:cNvPr id="740354" name="Picture 2" descr="722"/>
           <p:cNvPicPr>
             <a:picLocks noChangeAspect="1" noChangeArrowheads="1"/>
           </p:cNvPicPr>
@@ -3375,158 +3375,11 @@
           </a:extLst>
         </p:spPr>
       </p:pic>
-      <p:pic>
-        <p:nvPicPr>
-          <p:cNvPr id="740355" name="Picture 3" descr="721-2"/>
-          <p:cNvPicPr>
-            <a:picLocks noChangeAspect="1" noChangeArrowheads="1"/>
-          </p:cNvPicPr>
-          <p:nvPr/>
-        </p:nvPicPr>
-        <p:blipFill>
-          <a:blip r:embed="rId3">
-            <a:extLst>
-              <a:ext uri="{28A0092B-C50C-407E-A947-70E740481C1C}">
-                <a14:useLocalDpi xmlns:a14="http://schemas.microsoft.com/office/drawing/2010/main" val="0"/>
-              </a:ext>
-            </a:extLst>
-          </a:blip>
-          <a:srcRect/>
-          <a:stretch>
-            <a:fillRect/>
-          </a:stretch>
-        </p:blipFill>
-        <p:spPr bwMode="auto">
-          <a:xfrm>
-            <a:off x="1501776" y="-12700"/>
-            <a:ext cx="9129713" cy="6843713"/>
-          </a:xfrm>
-          <a:prstGeom prst="rect">
-            <a:avLst/>
-          </a:prstGeom>
-          <a:noFill/>
-          <a:ln>
-            <a:noFill/>
-          </a:ln>
-          <a:effectLst/>
-          <a:extLst>
-            <a:ext uri="{909E8E84-426E-40DD-AFC4-6F175D3DCCD1}">
-              <a14:hiddenFill xmlns:a14="http://schemas.microsoft.com/office/drawing/2010/main">
-                <a:solidFill>
-                  <a:srgbClr val="FFFFFF"/>
-                </a:solidFill>
-              </a14:hiddenFill>
-            </a:ext>
-            <a:ext uri="{91240B29-F687-4F45-9708-019B960494DF}">
-              <a14:hiddenLine xmlns:a14="http://schemas.microsoft.com/office/drawing/2010/main" w="9525">
-                <a:solidFill>
-                  <a:srgbClr val="000000"/>
-                </a:solidFill>
-                <a:miter lim="800000"/>
-                <a:headEnd/>
-                <a:tailEnd/>
-              </a14:hiddenLine>
-            </a:ext>
-            <a:ext uri="{AF507438-7753-43E0-B8FC-AC1667EBCBE1}">
-              <a14:hiddenEffects xmlns:a14="http://schemas.microsoft.com/office/drawing/2010/main">
-                <a:effectLst>
-                  <a:outerShdw dist="35921" dir="2700000" algn="ctr" rotWithShape="0">
-                    <a:srgbClr val="808080"/>
-                  </a:outerShdw>
-                </a:effectLst>
-              </a14:hiddenEffects>
-            </a:ext>
-          </a:extLst>
-        </p:spPr>
-      </p:pic>
     </p:spTree>
   </p:cSld>
   <p:clrMapOvr>
     <a:masterClrMapping/>
   </p:clrMapOvr>
-  <p:timing>
-    <p:tnLst>
-      <p:par>
-        <p:cTn id="1" dur="indefinite" restart="never" nodeType="tmRoot">
-          <p:childTnLst>
-            <p:seq concurrent="1" nextAc="seek">
-              <p:cTn id="2" dur="indefinite" nodeType="mainSeq">
-                <p:childTnLst>
-                  <p:par>
-                    <p:cTn id="3" fill="hold" nodeType="clickPar">
-                      <p:stCondLst>
-                        <p:cond delay="indefinite"/>
-                      </p:stCondLst>
-                      <p:childTnLst>
-                        <p:par>
-                          <p:cTn id="4" fill="hold" nodeType="withGroup">
-                            <p:stCondLst>
-                              <p:cond delay="0"/>
-                            </p:stCondLst>
-                            <p:childTnLst>
-                              <p:par>
-                                <p:cTn id="5" presetID="10" presetClass="entr" presetSubtype="0" fill="hold" nodeType="clickEffect">
-                                  <p:stCondLst>
-                                    <p:cond delay="0"/>
-                                  </p:stCondLst>
-                                  <p:childTnLst>
-                                    <p:set>
-                                      <p:cBhvr>
-                                        <p:cTn id="6" dur="1" fill="hold">
-                                          <p:stCondLst>
-                                            <p:cond delay="0"/>
-                                          </p:stCondLst>
-                                        </p:cTn>
-                                        <p:tgtEl>
-                                          <p:spTgt spid="740355"/>
-                                        </p:tgtEl>
-                                        <p:attrNameLst>
-                                          <p:attrName>style.visibility</p:attrName>
-                                        </p:attrNameLst>
-                                      </p:cBhvr>
-                                      <p:to>
-                                        <p:strVal val="visible"/>
-                                      </p:to>
-                                    </p:set>
-                                    <p:animEffect transition="in" filter="fade">
-                                      <p:cBhvr>
-                                        <p:cTn id="7" dur="500"/>
-                                        <p:tgtEl>
-                                          <p:spTgt spid="740355"/>
-                                        </p:tgtEl>
-                                      </p:cBhvr>
-                                    </p:animEffect>
-                                  </p:childTnLst>
-                                </p:cTn>
-                              </p:par>
-                            </p:childTnLst>
-                          </p:cTn>
-                        </p:par>
-                      </p:childTnLst>
-                    </p:cTn>
-                  </p:par>
-                </p:childTnLst>
-              </p:cTn>
-              <p:prevCondLst>
-                <p:cond evt="onPrev" delay="0">
-                  <p:tgtEl>
-                    <p:sldTgt/>
-                  </p:tgtEl>
-                </p:cond>
-              </p:prevCondLst>
-              <p:nextCondLst>
-                <p:cond evt="onNext" delay="0">
-                  <p:tgtEl>
-                    <p:sldTgt/>
-                  </p:tgtEl>
-                </p:cond>
-              </p:nextCondLst>
-            </p:seq>
-          </p:childTnLst>
-        </p:cTn>
-      </p:par>
-    </p:tnLst>
-  </p:timing>
 </p:sld>
 </file>
 
